--- a/notes/Week13-help.pptx
+++ b/notes/Week13-help.pptx
@@ -5,10 +5,10 @@
     <p:sldMasterId id="2147483660" r:id="rId1"/>
   </p:sldMasterIdLst>
   <p:notesMasterIdLst>
-    <p:notesMasterId r:id="rId18"/>
+    <p:notesMasterId r:id="rId20"/>
   </p:notesMasterIdLst>
   <p:handoutMasterIdLst>
-    <p:handoutMasterId r:id="rId19"/>
+    <p:handoutMasterId r:id="rId21"/>
   </p:handoutMasterIdLst>
   <p:sldIdLst>
     <p:sldId id="264" r:id="rId2"/>
@@ -27,6 +27,8 @@
     <p:sldId id="309" r:id="rId15"/>
     <p:sldId id="310" r:id="rId16"/>
     <p:sldId id="308" r:id="rId17"/>
+    <p:sldId id="311" r:id="rId18"/>
+    <p:sldId id="312" r:id="rId19"/>
   </p:sldIdLst>
   <p:sldSz cx="12161838" cy="6858000"/>
   <p:notesSz cx="7023100" cy="9309100"/>
@@ -245,7 +247,7 @@
           <a:p>
             <a:fld id="{C94BF1D3-5036-4D1A-A3B2-025E6980F662}" type="datetimeFigureOut">
               <a:rPr lang="en-US" smtClean="0"/>
-              <a:t>11/18/2020</a:t>
+              <a:t>12/9/2020</a:t>
             </a:fld>
             <a:endParaRPr lang="en-US"/>
           </a:p>
@@ -410,7 +412,7 @@
           <a:p>
             <a:fld id="{FD852303-BCF1-4F7F-83D3-C9EE5BF074C9}" type="datetimeFigureOut">
               <a:rPr lang="en-US" smtClean="0"/>
-              <a:t>11/18/2020</a:t>
+              <a:t>12/9/2020</a:t>
             </a:fld>
             <a:endParaRPr lang="en-US"/>
           </a:p>
@@ -5944,6 +5946,394 @@
 </p:sld>
 </file>
 
+<file path=ppt/slides/slide17.xml><?xml version="1.0" encoding="utf-8"?>
+<p:sld xmlns:a="http://schemas.openxmlformats.org/drawingml/2006/main" xmlns:r="http://schemas.openxmlformats.org/officeDocument/2006/relationships" xmlns:p="http://schemas.openxmlformats.org/presentationml/2006/main">
+  <p:cSld>
+    <p:spTree>
+      <p:nvGrpSpPr>
+        <p:cNvPr id="1" name=""/>
+        <p:cNvGrpSpPr/>
+        <p:nvPr/>
+      </p:nvGrpSpPr>
+      <p:grpSpPr>
+        <a:xfrm>
+          <a:off x="0" y="0"/>
+          <a:ext cx="0" cy="0"/>
+          <a:chOff x="0" y="0"/>
+          <a:chExt cx="0" cy="0"/>
+        </a:xfrm>
+      </p:grpSpPr>
+      <p:sp>
+        <p:nvSpPr>
+          <p:cNvPr id="2" name="Title 1">
+            <a:extLst>
+              <a:ext uri="{FF2B5EF4-FFF2-40B4-BE49-F238E27FC236}">
+                <a16:creationId xmlns:a16="http://schemas.microsoft.com/office/drawing/2014/main" id="{34A39E38-01F7-41FD-9033-825D4318ECDE}"/>
+              </a:ext>
+            </a:extLst>
+          </p:cNvPr>
+          <p:cNvSpPr>
+            <a:spLocks noGrp="1"/>
+          </p:cNvSpPr>
+          <p:nvPr>
+            <p:ph type="title"/>
+          </p:nvPr>
+        </p:nvSpPr>
+        <p:spPr/>
+        <p:txBody>
+          <a:bodyPr/>
+          <a:lstStyle/>
+          <a:p>
+            <a:r>
+              <a:rPr lang="en-US" dirty="0"/>
+              <a:t>Polyglot</a:t>
+            </a:r>
+          </a:p>
+        </p:txBody>
+      </p:sp>
+      <p:sp>
+        <p:nvSpPr>
+          <p:cNvPr id="3" name="Text Placeholder 2">
+            <a:extLst>
+              <a:ext uri="{FF2B5EF4-FFF2-40B4-BE49-F238E27FC236}">
+                <a16:creationId xmlns:a16="http://schemas.microsoft.com/office/drawing/2014/main" id="{784E372E-8B79-4A3E-B0FB-1C2636FAD747}"/>
+              </a:ext>
+            </a:extLst>
+          </p:cNvPr>
+          <p:cNvSpPr>
+            <a:spLocks noGrp="1"/>
+          </p:cNvSpPr>
+          <p:nvPr>
+            <p:ph type="body" sz="quarter" idx="11"/>
+          </p:nvPr>
+        </p:nvSpPr>
+        <p:spPr/>
+        <p:txBody>
+          <a:bodyPr/>
+          <a:lstStyle/>
+          <a:p>
+            <a:r>
+              <a:rPr lang="en-US" dirty="0"/>
+              <a:t>Most of the ideas and concepts that we teach you will be broadly transferable between languages</a:t>
+            </a:r>
+          </a:p>
+          <a:p>
+            <a:pPr lvl="1"/>
+            <a:r>
+              <a:rPr lang="en-US" dirty="0"/>
+              <a:t>Some of the notation might be slightly different, but the idea is the same</a:t>
+            </a:r>
+          </a:p>
+          <a:p>
+            <a:r>
+              <a:rPr lang="en-US"/>
+              <a:t>The libraries </a:t>
+            </a:r>
+            <a:r>
+              <a:rPr lang="en-US" dirty="0"/>
+              <a:t>and tools will be different</a:t>
+            </a:r>
+          </a:p>
+          <a:p>
+            <a:pPr lvl="1"/>
+            <a:r>
+              <a:rPr lang="en-US" dirty="0"/>
+              <a:t>Often a similar tool: </a:t>
+            </a:r>
+            <a:r>
+              <a:rPr lang="en-US" dirty="0">
+                <a:latin typeface="Consolas" panose="020B0609020204030204" pitchFamily="49" charset="0"/>
+              </a:rPr>
+              <a:t>vector</a:t>
+            </a:r>
+            <a:r>
+              <a:rPr lang="en-US" dirty="0"/>
+              <a:t> in C++ vs </a:t>
+            </a:r>
+            <a:r>
+              <a:rPr lang="en-US" dirty="0" err="1">
+                <a:latin typeface="Consolas" panose="020B0609020204030204" pitchFamily="49" charset="0"/>
+              </a:rPr>
+              <a:t>ArrayList</a:t>
+            </a:r>
+            <a:r>
+              <a:rPr lang="en-US" dirty="0"/>
+              <a:t> in Java</a:t>
+            </a:r>
+          </a:p>
+          <a:p>
+            <a:pPr lvl="1"/>
+            <a:r>
+              <a:rPr lang="en-US" dirty="0"/>
+              <a:t>Won’t be exactly the same</a:t>
+            </a:r>
+          </a:p>
+          <a:p>
+            <a:pPr lvl="1"/>
+            <a:r>
+              <a:rPr lang="en-US" dirty="0"/>
+              <a:t>Need to learn what the differences are</a:t>
+            </a:r>
+          </a:p>
+          <a:p>
+            <a:r>
+              <a:rPr lang="en-US" dirty="0"/>
+              <a:t>Each language has its own idioms (common patterns or expressions)</a:t>
+            </a:r>
+          </a:p>
+          <a:p>
+            <a:pPr lvl="1"/>
+            <a:r>
+              <a:rPr lang="en-US" dirty="0"/>
+              <a:t>Ex: </a:t>
+            </a:r>
+            <a:r>
+              <a:rPr lang="en-US" dirty="0">
+                <a:latin typeface="Consolas" panose="020B0609020204030204" pitchFamily="49" charset="0"/>
+              </a:rPr>
+              <a:t>(x, y) = (y, x) #</a:t>
+            </a:r>
+            <a:r>
+              <a:rPr lang="en-US" dirty="0"/>
+              <a:t>Python swap</a:t>
+            </a:r>
+          </a:p>
+          <a:p>
+            <a:pPr lvl="1"/>
+            <a:endParaRPr lang="en-US" dirty="0">
+              <a:latin typeface="Consolas" panose="020B0609020204030204" pitchFamily="49" charset="0"/>
+            </a:endParaRPr>
+          </a:p>
+        </p:txBody>
+      </p:sp>
+      <p:sp>
+        <p:nvSpPr>
+          <p:cNvPr id="4" name="Slide Number Placeholder 3">
+            <a:extLst>
+              <a:ext uri="{FF2B5EF4-FFF2-40B4-BE49-F238E27FC236}">
+                <a16:creationId xmlns:a16="http://schemas.microsoft.com/office/drawing/2014/main" id="{4820A053-2B4A-43CD-990C-CD9918C16900}"/>
+              </a:ext>
+            </a:extLst>
+          </p:cNvPr>
+          <p:cNvSpPr>
+            <a:spLocks noGrp="1"/>
+          </p:cNvSpPr>
+          <p:nvPr>
+            <p:ph type="sldNum" sz="quarter" idx="12"/>
+          </p:nvPr>
+        </p:nvSpPr>
+        <p:spPr/>
+        <p:txBody>
+          <a:bodyPr/>
+          <a:lstStyle/>
+          <a:p>
+            <a:fld id="{0FA920F7-7227-4D6E-B7C6-AC05743CC8F3}" type="slidenum">
+              <a:rPr lang="en-US" smtClean="0"/>
+              <a:pPr/>
+              <a:t>17</a:t>
+            </a:fld>
+            <a:endParaRPr lang="en-US" dirty="0"/>
+          </a:p>
+        </p:txBody>
+      </p:sp>
+    </p:spTree>
+    <p:extLst>
+      <p:ext uri="{BB962C8B-B14F-4D97-AF65-F5344CB8AC3E}">
+        <p14:creationId xmlns:p14="http://schemas.microsoft.com/office/powerpoint/2010/main" val="1751922173"/>
+      </p:ext>
+    </p:extLst>
+  </p:cSld>
+  <p:clrMapOvr>
+    <a:masterClrMapping/>
+  </p:clrMapOvr>
+</p:sld>
+</file>
+
+<file path=ppt/slides/slide18.xml><?xml version="1.0" encoding="utf-8"?>
+<p:sld xmlns:a="http://schemas.openxmlformats.org/drawingml/2006/main" xmlns:r="http://schemas.openxmlformats.org/officeDocument/2006/relationships" xmlns:p="http://schemas.openxmlformats.org/presentationml/2006/main">
+  <p:cSld>
+    <p:spTree>
+      <p:nvGrpSpPr>
+        <p:cNvPr id="1" name=""/>
+        <p:cNvGrpSpPr/>
+        <p:nvPr/>
+      </p:nvGrpSpPr>
+      <p:grpSpPr>
+        <a:xfrm>
+          <a:off x="0" y="0"/>
+          <a:ext cx="0" cy="0"/>
+          <a:chOff x="0" y="0"/>
+          <a:chExt cx="0" cy="0"/>
+        </a:xfrm>
+      </p:grpSpPr>
+      <p:sp>
+        <p:nvSpPr>
+          <p:cNvPr id="2" name="Title 1">
+            <a:extLst>
+              <a:ext uri="{FF2B5EF4-FFF2-40B4-BE49-F238E27FC236}">
+                <a16:creationId xmlns:a16="http://schemas.microsoft.com/office/drawing/2014/main" id="{A660D624-7586-4F8F-8DED-42CA81B61359}"/>
+              </a:ext>
+            </a:extLst>
+          </p:cNvPr>
+          <p:cNvSpPr>
+            <a:spLocks noGrp="1"/>
+          </p:cNvSpPr>
+          <p:nvPr>
+            <p:ph type="title"/>
+          </p:nvPr>
+        </p:nvSpPr>
+        <p:spPr/>
+        <p:txBody>
+          <a:bodyPr/>
+          <a:lstStyle/>
+          <a:p>
+            <a:r>
+              <a:rPr lang="en-US" dirty="0"/>
+              <a:t>Unlearning</a:t>
+            </a:r>
+          </a:p>
+        </p:txBody>
+      </p:sp>
+      <p:sp>
+        <p:nvSpPr>
+          <p:cNvPr id="3" name="Text Placeholder 2">
+            <a:extLst>
+              <a:ext uri="{FF2B5EF4-FFF2-40B4-BE49-F238E27FC236}">
+                <a16:creationId xmlns:a16="http://schemas.microsoft.com/office/drawing/2014/main" id="{8BE31910-C1C6-4F32-850E-BE20C8977FDA}"/>
+              </a:ext>
+            </a:extLst>
+          </p:cNvPr>
+          <p:cNvSpPr>
+            <a:spLocks noGrp="1"/>
+          </p:cNvSpPr>
+          <p:nvPr>
+            <p:ph type="body" sz="quarter" idx="11"/>
+          </p:nvPr>
+        </p:nvSpPr>
+        <p:spPr/>
+        <p:txBody>
+          <a:bodyPr/>
+          <a:lstStyle/>
+          <a:p>
+            <a:r>
+              <a:rPr lang="en-US" dirty="0"/>
+              <a:t>Tools are continuously evolving</a:t>
+            </a:r>
+          </a:p>
+          <a:p>
+            <a:pPr lvl="1"/>
+            <a:r>
+              <a:rPr lang="en-US" dirty="0"/>
+              <a:t>New, better ways of doing things come about frequently</a:t>
+            </a:r>
+          </a:p>
+          <a:p>
+            <a:pPr lvl="1"/>
+            <a:r>
+              <a:rPr lang="en-US" dirty="0"/>
+              <a:t>Should learn the better way of doing things</a:t>
+            </a:r>
+          </a:p>
+          <a:p>
+            <a:pPr lvl="1"/>
+            <a:r>
+              <a:rPr lang="en-US" dirty="0"/>
+              <a:t>May require unlearning the old way</a:t>
+            </a:r>
+          </a:p>
+          <a:p>
+            <a:r>
+              <a:rPr lang="en-US" dirty="0"/>
+              <a:t>Different models may require different approaches</a:t>
+            </a:r>
+          </a:p>
+          <a:p>
+            <a:pPr lvl="1"/>
+            <a:r>
+              <a:rPr lang="en-US" dirty="0"/>
+              <a:t>What works well in one may be a bad idea in another</a:t>
+            </a:r>
+          </a:p>
+          <a:p>
+            <a:pPr lvl="1"/>
+            <a:r>
+              <a:rPr lang="en-US" dirty="0"/>
+              <a:t>Ex: Object pooling</a:t>
+            </a:r>
+          </a:p>
+          <a:p>
+            <a:pPr lvl="2"/>
+            <a:r>
+              <a:rPr lang="en-US" dirty="0"/>
+              <a:t>Rather than delete an object when you are done with it, keep it in a “pool” where you can reuse it</a:t>
+            </a:r>
+          </a:p>
+          <a:p>
+            <a:pPr lvl="2"/>
+            <a:r>
+              <a:rPr lang="en-US" dirty="0"/>
+              <a:t>Works well in C and C++ because memory allocation is relatively slow</a:t>
+            </a:r>
+          </a:p>
+          <a:p>
+            <a:pPr lvl="2"/>
+            <a:r>
+              <a:rPr lang="en-US" dirty="0"/>
+              <a:t>Bad in Java and C# because it interferes with the garbage collector</a:t>
+            </a:r>
+          </a:p>
+          <a:p>
+            <a:pPr lvl="3"/>
+            <a:r>
+              <a:rPr lang="en-US" dirty="0"/>
+              <a:t>Also memory allocation is faster</a:t>
+            </a:r>
+          </a:p>
+        </p:txBody>
+      </p:sp>
+      <p:sp>
+        <p:nvSpPr>
+          <p:cNvPr id="4" name="Slide Number Placeholder 3">
+            <a:extLst>
+              <a:ext uri="{FF2B5EF4-FFF2-40B4-BE49-F238E27FC236}">
+                <a16:creationId xmlns:a16="http://schemas.microsoft.com/office/drawing/2014/main" id="{A1361AEB-A185-46A2-9A46-B3C18CB392F6}"/>
+              </a:ext>
+            </a:extLst>
+          </p:cNvPr>
+          <p:cNvSpPr>
+            <a:spLocks noGrp="1"/>
+          </p:cNvSpPr>
+          <p:nvPr>
+            <p:ph type="sldNum" sz="quarter" idx="12"/>
+          </p:nvPr>
+        </p:nvSpPr>
+        <p:spPr/>
+        <p:txBody>
+          <a:bodyPr/>
+          <a:lstStyle/>
+          <a:p>
+            <a:fld id="{0FA920F7-7227-4D6E-B7C6-AC05743CC8F3}" type="slidenum">
+              <a:rPr lang="en-US" smtClean="0"/>
+              <a:pPr/>
+              <a:t>18</a:t>
+            </a:fld>
+            <a:endParaRPr lang="en-US" dirty="0"/>
+          </a:p>
+        </p:txBody>
+      </p:sp>
+    </p:spTree>
+    <p:extLst>
+      <p:ext uri="{BB962C8B-B14F-4D97-AF65-F5344CB8AC3E}">
+        <p14:creationId xmlns:p14="http://schemas.microsoft.com/office/powerpoint/2010/main" val="2508846433"/>
+      </p:ext>
+    </p:extLst>
+  </p:cSld>
+  <p:clrMapOvr>
+    <a:masterClrMapping/>
+  </p:clrMapOvr>
+</p:sld>
+</file>
+
 <file path=ppt/slides/slide2.xml><?xml version="1.0" encoding="utf-8"?>
 <p:sld xmlns:a="http://schemas.openxmlformats.org/drawingml/2006/main" xmlns:r="http://schemas.openxmlformats.org/officeDocument/2006/relationships" xmlns:p="http://schemas.openxmlformats.org/presentationml/2006/main">
   <p:cSld>
@@ -6024,13 +6414,28 @@
           <a:p>
             <a:r>
               <a:rPr lang="en-US" dirty="0"/>
-              <a:t>Tutorial to help you write a bash script to count how many times a word appears in </a:t>
+              <a:t>Tutorial to help you write a bash script to count how many lines contain a word in </a:t>
             </a:r>
             <a:r>
               <a:rPr lang="en-US" i="1" dirty="0"/>
               <a:t>Romeo and Juliet</a:t>
             </a:r>
-            <a:endParaRPr lang="en-US" dirty="0"/>
+          </a:p>
+          <a:p>
+            <a:r>
+              <a:rPr lang="en-US" dirty="0"/>
+              <a:t>Turn in the </a:t>
+            </a:r>
+            <a:r>
+              <a:rPr lang="en-US" dirty="0">
+                <a:latin typeface="Consolas" panose="020B0609020204030204" pitchFamily="49" charset="0"/>
+              </a:rPr>
+              <a:t>.bash </a:t>
+            </a:r>
+            <a:r>
+              <a:rPr lang="en-US" dirty="0"/>
+              <a:t>file, not an image.</a:t>
+            </a:r>
           </a:p>
         </p:txBody>
       </p:sp>
